--- a/IT-волонтер_2022/Кейс_2_команда_1.pptx
+++ b/IT-волонтер_2022/Кейс_2_команда_1.pptx
@@ -131,7 +131,7 @@
   </p:defaultTextStyle>
   <p:extLst>
     <p:ext uri="{EFAFB233-063F-42B5-8137-9DF3F51BA10A}">
-      <p15:sldGuideLst xmlns="" xmlns:p15="http://schemas.microsoft.com/office/powerpoint/2012/main"/>
+      <p15:sldGuideLst xmlns:p15="http://schemas.microsoft.com/office/powerpoint/2012/main" xmlns=""/>
     </p:ext>
   </p:extLst>
 </p:presentation>
@@ -220,7 +220,7 @@
             <a:fld id="{522B8A6D-39CE-41B7-BC2A-C8D0CF7D615C}" type="datetimeFigureOut">
               <a:rPr lang="ru-RU" smtClean="0"/>
               <a:pPr/>
-              <a:t>07.08.2022</a:t>
+              <a:t>02.09.2022</a:t>
             </a:fld>
             <a:endParaRPr lang="ru-RU"/>
           </a:p>
@@ -389,7 +389,7 @@
     </p:spTree>
     <p:extLst>
       <p:ext uri="{BB962C8B-B14F-4D97-AF65-F5344CB8AC3E}">
-        <p14:creationId xmlns="" xmlns:p14="http://schemas.microsoft.com/office/powerpoint/2010/main" val="1610653224"/>
+        <p14:creationId xmlns:p14="http://schemas.microsoft.com/office/powerpoint/2010/main" xmlns="" val="1610653224"/>
       </p:ext>
     </p:extLst>
   </p:cSld>
@@ -745,7 +745,7 @@
             <a:fld id="{350EFD44-B974-4E7D-9D83-EB1FA083C1FE}" type="datetimeFigureOut">
               <a:rPr lang="ru-RU" smtClean="0"/>
               <a:pPr/>
-              <a:t>07.08.2022</a:t>
+              <a:t>02.09.2022</a:t>
             </a:fld>
             <a:endParaRPr lang="ru-RU"/>
           </a:p>
@@ -912,7 +912,7 @@
             <a:fld id="{350EFD44-B974-4E7D-9D83-EB1FA083C1FE}" type="datetimeFigureOut">
               <a:rPr lang="ru-RU" smtClean="0"/>
               <a:pPr/>
-              <a:t>07.08.2022</a:t>
+              <a:t>02.09.2022</a:t>
             </a:fld>
             <a:endParaRPr lang="ru-RU"/>
           </a:p>
@@ -1089,7 +1089,7 @@
             <a:fld id="{350EFD44-B974-4E7D-9D83-EB1FA083C1FE}" type="datetimeFigureOut">
               <a:rPr lang="ru-RU" smtClean="0"/>
               <a:pPr/>
-              <a:t>07.08.2022</a:t>
+              <a:t>02.09.2022</a:t>
             </a:fld>
             <a:endParaRPr lang="ru-RU"/>
           </a:p>
@@ -1256,7 +1256,7 @@
             <a:fld id="{350EFD44-B974-4E7D-9D83-EB1FA083C1FE}" type="datetimeFigureOut">
               <a:rPr lang="ru-RU" smtClean="0"/>
               <a:pPr/>
-              <a:t>07.08.2022</a:t>
+              <a:t>02.09.2022</a:t>
             </a:fld>
             <a:endParaRPr lang="ru-RU"/>
           </a:p>
@@ -1500,7 +1500,7 @@
             <a:fld id="{350EFD44-B974-4E7D-9D83-EB1FA083C1FE}" type="datetimeFigureOut">
               <a:rPr lang="ru-RU" smtClean="0"/>
               <a:pPr/>
-              <a:t>07.08.2022</a:t>
+              <a:t>02.09.2022</a:t>
             </a:fld>
             <a:endParaRPr lang="ru-RU"/>
           </a:p>
@@ -1766,7 +1766,7 @@
             <a:fld id="{350EFD44-B974-4E7D-9D83-EB1FA083C1FE}" type="datetimeFigureOut">
               <a:rPr lang="ru-RU" smtClean="0"/>
               <a:pPr/>
-              <a:t>07.08.2022</a:t>
+              <a:t>02.09.2022</a:t>
             </a:fld>
             <a:endParaRPr lang="ru-RU"/>
           </a:p>
@@ -2146,7 +2146,7 @@
             <a:fld id="{350EFD44-B974-4E7D-9D83-EB1FA083C1FE}" type="datetimeFigureOut">
               <a:rPr lang="ru-RU" smtClean="0"/>
               <a:pPr/>
-              <a:t>07.08.2022</a:t>
+              <a:t>02.09.2022</a:t>
             </a:fld>
             <a:endParaRPr lang="ru-RU"/>
           </a:p>
@@ -2298,7 +2298,7 @@
             <a:fld id="{350EFD44-B974-4E7D-9D83-EB1FA083C1FE}" type="datetimeFigureOut">
               <a:rPr lang="ru-RU" smtClean="0"/>
               <a:pPr/>
-              <a:t>07.08.2022</a:t>
+              <a:t>02.09.2022</a:t>
             </a:fld>
             <a:endParaRPr lang="ru-RU"/>
           </a:p>
@@ -2390,7 +2390,7 @@
             <a:fld id="{350EFD44-B974-4E7D-9D83-EB1FA083C1FE}" type="datetimeFigureOut">
               <a:rPr lang="ru-RU" smtClean="0"/>
               <a:pPr/>
-              <a:t>07.08.2022</a:t>
+              <a:t>02.09.2022</a:t>
             </a:fld>
             <a:endParaRPr lang="ru-RU"/>
           </a:p>
@@ -2653,7 +2653,7 @@
             <a:fld id="{350EFD44-B974-4E7D-9D83-EB1FA083C1FE}" type="datetimeFigureOut">
               <a:rPr lang="ru-RU" smtClean="0"/>
               <a:pPr/>
-              <a:t>07.08.2022</a:t>
+              <a:t>02.09.2022</a:t>
             </a:fld>
             <a:endParaRPr lang="ru-RU"/>
           </a:p>
@@ -2943,7 +2943,7 @@
             <a:fld id="{350EFD44-B974-4E7D-9D83-EB1FA083C1FE}" type="datetimeFigureOut">
               <a:rPr lang="ru-RU" smtClean="0"/>
               <a:pPr/>
-              <a:t>07.08.2022</a:t>
+              <a:t>02.09.2022</a:t>
             </a:fld>
             <a:endParaRPr lang="ru-RU"/>
           </a:p>
@@ -3716,7 +3716,7 @@
             <a:fld id="{350EFD44-B974-4E7D-9D83-EB1FA083C1FE}" type="datetimeFigureOut">
               <a:rPr lang="ru-RU" smtClean="0"/>
               <a:pPr/>
-              <a:t>07.08.2022</a:t>
+              <a:t>02.09.2022</a:t>
             </a:fld>
             <a:endParaRPr lang="ru-RU"/>
           </a:p>
@@ -4811,7 +4811,7 @@
     </p:spTree>
     <p:extLst>
       <p:ext uri="{BB962C8B-B14F-4D97-AF65-F5344CB8AC3E}">
-        <p14:creationId xmlns="" xmlns:p14="http://schemas.microsoft.com/office/powerpoint/2010/main" val="3118132443"/>
+        <p14:creationId xmlns:p14="http://schemas.microsoft.com/office/powerpoint/2010/main" xmlns="" val="3118132443"/>
       </p:ext>
     </p:extLst>
   </p:cSld>
@@ -5299,7 +5299,7 @@
           <a:blip r:embed="rId2" cstate="print">
             <a:extLst>
               <a:ext uri="{28A0092B-C50C-407E-A947-70E740481C1C}">
-                <a14:useLocalDpi xmlns="" xmlns:a14="http://schemas.microsoft.com/office/drawing/2010/main" val="0"/>
+                <a14:useLocalDpi xmlns:a14="http://schemas.microsoft.com/office/drawing/2010/main" xmlns="" val="0"/>
               </a:ext>
             </a:extLst>
           </a:blip>
@@ -5492,7 +5492,7 @@
           <a:blip r:embed="rId3" cstate="print">
             <a:extLst>
               <a:ext uri="{28A0092B-C50C-407E-A947-70E740481C1C}">
-                <a14:useLocalDpi xmlns:a14="http://schemas.microsoft.com/office/drawing/2010/main" xmlns="" val="0"/>
+                <a14:useLocalDpi xmlns="" xmlns:a14="http://schemas.microsoft.com/office/drawing/2010/main" val="0"/>
               </a:ext>
             </a:extLst>
           </a:blip>
@@ -5608,7 +5608,7 @@
           <a:blip r:embed="rId2" cstate="print">
             <a:extLst>
               <a:ext uri="{28A0092B-C50C-407E-A947-70E740481C1C}">
-                <a14:useLocalDpi xmlns:a14="http://schemas.microsoft.com/office/drawing/2010/main" xmlns="" val="0"/>
+                <a14:useLocalDpi xmlns="" xmlns:a14="http://schemas.microsoft.com/office/drawing/2010/main" val="0"/>
               </a:ext>
             </a:extLst>
           </a:blip>
@@ -5964,7 +5964,7 @@
           <a:blip r:embed="rId3" cstate="print">
             <a:extLst>
               <a:ext uri="{28A0092B-C50C-407E-A947-70E740481C1C}">
-                <a14:useLocalDpi xmlns="" xmlns:a14="http://schemas.microsoft.com/office/drawing/2010/main" val="0"/>
+                <a14:useLocalDpi xmlns:a14="http://schemas.microsoft.com/office/drawing/2010/main" xmlns="" val="0"/>
               </a:ext>
             </a:extLst>
           </a:blip>
@@ -6142,7 +6142,7 @@
           <a:blip r:embed="rId5" cstate="print">
             <a:extLst>
               <a:ext uri="{28A0092B-C50C-407E-A947-70E740481C1C}">
-                <a14:useLocalDpi xmlns:a14="http://schemas.microsoft.com/office/drawing/2010/main" xmlns="" val="0"/>
+                <a14:useLocalDpi xmlns="" xmlns:a14="http://schemas.microsoft.com/office/drawing/2010/main" val="0"/>
               </a:ext>
             </a:extLst>
           </a:blip>
@@ -6397,7 +6397,7 @@
           <a:blip r:embed="rId5" cstate="print">
             <a:extLst>
               <a:ext uri="{28A0092B-C50C-407E-A947-70E740481C1C}">
-                <a14:useLocalDpi xmlns:a14="http://schemas.microsoft.com/office/drawing/2010/main" xmlns="" val="0"/>
+                <a14:useLocalDpi xmlns="" xmlns:a14="http://schemas.microsoft.com/office/drawing/2010/main" val="0"/>
               </a:ext>
             </a:extLst>
           </a:blip>
@@ -6520,7 +6520,7 @@
           <a:blip r:embed="rId2" cstate="print">
             <a:extLst>
               <a:ext uri="{28A0092B-C50C-407E-A947-70E740481C1C}">
-                <a14:useLocalDpi xmlns:a14="http://schemas.microsoft.com/office/drawing/2010/main" xmlns="" val="0"/>
+                <a14:useLocalDpi xmlns="" xmlns:a14="http://schemas.microsoft.com/office/drawing/2010/main" val="0"/>
               </a:ext>
             </a:extLst>
           </a:blip>
@@ -8749,7 +8749,7 @@
           <a:blip r:embed="rId5" cstate="print">
             <a:extLst>
               <a:ext uri="{28A0092B-C50C-407E-A947-70E740481C1C}">
-                <a14:useLocalDpi xmlns="" xmlns:a14="http://schemas.microsoft.com/office/drawing/2010/main" val="0"/>
+                <a14:useLocalDpi xmlns:a14="http://schemas.microsoft.com/office/drawing/2010/main" xmlns="" val="0"/>
               </a:ext>
             </a:extLst>
           </a:blip>
@@ -8976,7 +8976,7 @@
           <a:blip r:embed="rId3" cstate="print">
             <a:extLst>
               <a:ext uri="{28A0092B-C50C-407E-A947-70E740481C1C}">
-                <a14:useLocalDpi xmlns="" xmlns:a14="http://schemas.microsoft.com/office/drawing/2010/main" val="0"/>
+                <a14:useLocalDpi xmlns:a14="http://schemas.microsoft.com/office/drawing/2010/main" xmlns="" val="0"/>
               </a:ext>
             </a:extLst>
           </a:blip>
@@ -9210,7 +9210,7 @@
           <a:blip r:embed="rId2" cstate="print">
             <a:extLst>
               <a:ext uri="{28A0092B-C50C-407E-A947-70E740481C1C}">
-                <a14:useLocalDpi xmlns="" xmlns:a14="http://schemas.microsoft.com/office/drawing/2010/main" val="0"/>
+                <a14:useLocalDpi xmlns:a14="http://schemas.microsoft.com/office/drawing/2010/main" xmlns="" val="0"/>
               </a:ext>
             </a:extLst>
           </a:blip>
@@ -9231,7 +9231,7 @@
     </p:spTree>
     <p:extLst>
       <p:ext uri="{BB962C8B-B14F-4D97-AF65-F5344CB8AC3E}">
-        <p14:creationId xmlns="" xmlns:p14="http://schemas.microsoft.com/office/powerpoint/2010/main" val="35102304"/>
+        <p14:creationId xmlns:p14="http://schemas.microsoft.com/office/powerpoint/2010/main" xmlns="" val="35102304"/>
       </p:ext>
     </p:extLst>
   </p:cSld>
@@ -9363,7 +9363,7 @@
           <a:blip r:embed="rId3" cstate="print">
             <a:extLst>
               <a:ext uri="{28A0092B-C50C-407E-A947-70E740481C1C}">
-                <a14:useLocalDpi xmlns="" xmlns:a14="http://schemas.microsoft.com/office/drawing/2010/main" val="0"/>
+                <a14:useLocalDpi xmlns:a14="http://schemas.microsoft.com/office/drawing/2010/main" xmlns="" val="0"/>
               </a:ext>
             </a:extLst>
           </a:blip>
@@ -9508,7 +9508,7 @@
           <a:blip r:embed="rId3" cstate="print">
             <a:extLst>
               <a:ext uri="{28A0092B-C50C-407E-A947-70E740481C1C}">
-                <a14:useLocalDpi xmlns="" xmlns:a14="http://schemas.microsoft.com/office/drawing/2010/main" val="0"/>
+                <a14:useLocalDpi xmlns:a14="http://schemas.microsoft.com/office/drawing/2010/main" xmlns="" val="0"/>
               </a:ext>
             </a:extLst>
           </a:blip>
@@ -9682,7 +9682,7 @@
         <p:spPr>
           <a:xfrm>
             <a:off x="1648691" y="2129213"/>
-            <a:ext cx="9448800" cy="1194146"/>
+            <a:ext cx="9448800" cy="1666932"/>
           </a:xfrm>
         </p:spPr>
         <p:txBody>
@@ -9756,6 +9756,18 @@
                 <a:latin typeface="Bahnschrift" panose="020B0502040204020203" pitchFamily="34" charset="0"/>
               </a:rPr>
               <a:t>: </a:t>
+            </a:r>
+            <a:r>
+              <a:rPr lang="ru-RU" u="sng" dirty="0" smtClean="0">
+                <a:solidFill>
+                  <a:schemeClr val="bg2">
+                    <a:lumMod val="25000"/>
+                  </a:schemeClr>
+                </a:solidFill>
+                <a:latin typeface="Bahnschrift" panose="020B0502040204020203" pitchFamily="34" charset="0"/>
+                <a:hlinkClick r:id="rId2"/>
+              </a:rPr>
+              <a:t> </a:t>
             </a:r>
             <a:r>
               <a:rPr lang="en-US" u="sng" dirty="0" smtClean="0">
@@ -9767,7 +9779,19 @@
                 <a:latin typeface="Bahnschrift" panose="020B0502040204020203" pitchFamily="34" charset="0"/>
                 <a:hlinkClick r:id="rId2"/>
               </a:rPr>
-              <a:t>https://github.com/NataliaKolesnik/IT_volunteer</a:t>
+              <a:t>https</a:t>
+            </a:r>
+            <a:r>
+              <a:rPr lang="en-US" u="sng" dirty="0" smtClean="0">
+                <a:solidFill>
+                  <a:schemeClr val="bg2">
+                    <a:lumMod val="25000"/>
+                  </a:schemeClr>
+                </a:solidFill>
+                <a:latin typeface="Bahnschrift" panose="020B0502040204020203" pitchFamily="34" charset="0"/>
+                <a:hlinkClick r:id="rId2"/>
+              </a:rPr>
+              <a:t>://github.com/LudmilaGR/Competition/blob/main/IT-</a:t>
             </a:r>
             <a:r>
               <a:rPr lang="ru-RU" u="sng" dirty="0" smtClean="0">
@@ -9779,6 +9803,42 @@
                 <a:latin typeface="Bahnschrift" panose="020B0502040204020203" pitchFamily="34" charset="0"/>
                 <a:hlinkClick r:id="rId2"/>
               </a:rPr>
+              <a:t>волонтер_2022/</a:t>
+            </a:r>
+            <a:r>
+              <a:rPr lang="ru-RU" u="sng" dirty="0" err="1" smtClean="0">
+                <a:solidFill>
+                  <a:schemeClr val="bg2">
+                    <a:lumMod val="25000"/>
+                  </a:schemeClr>
+                </a:solidFill>
+                <a:latin typeface="Bahnschrift" panose="020B0502040204020203" pitchFamily="34" charset="0"/>
+                <a:hlinkClick r:id="rId2"/>
+              </a:rPr>
+              <a:t>Препроцессинг_данных_</a:t>
+            </a:r>
+            <a:r>
+              <a:rPr lang="en-US" u="sng" dirty="0" err="1" smtClean="0">
+                <a:solidFill>
+                  <a:schemeClr val="bg2">
+                    <a:lumMod val="25000"/>
+                  </a:schemeClr>
+                </a:solidFill>
+                <a:latin typeface="Bahnschrift" panose="020B0502040204020203" pitchFamily="34" charset="0"/>
+                <a:hlinkClick r:id="rId2"/>
+              </a:rPr>
+              <a:t>first.ipynb</a:t>
+            </a:r>
+            <a:r>
+              <a:rPr lang="ru-RU" u="sng" dirty="0" smtClean="0">
+                <a:solidFill>
+                  <a:schemeClr val="bg2">
+                    <a:lumMod val="25000"/>
+                  </a:schemeClr>
+                </a:solidFill>
+                <a:latin typeface="Bahnschrift" panose="020B0502040204020203" pitchFamily="34" charset="0"/>
+                <a:hlinkClick r:id="rId2"/>
+              </a:rPr>
               <a:t> </a:t>
             </a:r>
             <a:endParaRPr lang="ru-RU" u="sng" dirty="0" smtClean="0">
@@ -9867,7 +9927,19 @@
                 <a:latin typeface="Bahnschrift" panose="020B0502040204020203" pitchFamily="34" charset="0"/>
                 <a:hlinkClick r:id="rId2"/>
               </a:rPr>
-              <a:t>https://github.com/NataliaKolesnik/IT_volunteer</a:t>
+              <a:t>https</a:t>
+            </a:r>
+            <a:r>
+              <a:rPr lang="en-US" u="sng" dirty="0" smtClean="0">
+                <a:solidFill>
+                  <a:schemeClr val="bg2">
+                    <a:lumMod val="25000"/>
+                  </a:schemeClr>
+                </a:solidFill>
+                <a:latin typeface="Bahnschrift" panose="020B0502040204020203" pitchFamily="34" charset="0"/>
+                <a:hlinkClick r:id="rId2"/>
+              </a:rPr>
+              <a:t>://github.com/LudmilaGR/Competition/blob/main/IT-</a:t>
             </a:r>
             <a:r>
               <a:rPr lang="ru-RU" u="sng" dirty="0" smtClean="0">
@@ -9879,7 +9951,43 @@
                 <a:latin typeface="Bahnschrift" panose="020B0502040204020203" pitchFamily="34" charset="0"/>
                 <a:hlinkClick r:id="rId2"/>
               </a:rPr>
-              <a:t> </a:t>
+              <a:t>волонтер_2022/</a:t>
+            </a:r>
+            <a:r>
+              <a:rPr lang="ru-RU" u="sng" dirty="0" err="1" smtClean="0">
+                <a:solidFill>
+                  <a:schemeClr val="bg2">
+                    <a:lumMod val="25000"/>
+                  </a:schemeClr>
+                </a:solidFill>
+                <a:latin typeface="Bahnschrift" panose="020B0502040204020203" pitchFamily="34" charset="0"/>
+                <a:hlinkClick r:id="rId2"/>
+              </a:rPr>
+              <a:t>Анализ_данных_</a:t>
+            </a:r>
+            <a:r>
+              <a:rPr lang="en-US" u="sng" dirty="0" err="1" smtClean="0">
+                <a:solidFill>
+                  <a:schemeClr val="bg2">
+                    <a:lumMod val="25000"/>
+                  </a:schemeClr>
+                </a:solidFill>
+                <a:latin typeface="Bahnschrift" panose="020B0502040204020203" pitchFamily="34" charset="0"/>
+                <a:hlinkClick r:id="rId2"/>
+              </a:rPr>
+              <a:t>first.ipynb</a:t>
+            </a:r>
+            <a:r>
+              <a:rPr lang="ru-RU" u="sng" dirty="0" smtClean="0">
+                <a:solidFill>
+                  <a:schemeClr val="bg2">
+                    <a:lumMod val="25000"/>
+                  </a:schemeClr>
+                </a:solidFill>
+                <a:latin typeface="Bahnschrift" panose="020B0502040204020203" pitchFamily="34" charset="0"/>
+                <a:hlinkClick r:id="rId2"/>
+              </a:rPr>
+              <a:t>  </a:t>
             </a:r>
             <a:endParaRPr lang="ru-RU" u="sng" dirty="0" smtClean="0">
               <a:solidFill>
@@ -9904,7 +10012,7 @@
           <a:blip r:embed="rId3" cstate="print">
             <a:extLst>
               <a:ext uri="{28A0092B-C50C-407E-A947-70E740481C1C}">
-                <a14:useLocalDpi xmlns="" xmlns:a14="http://schemas.microsoft.com/office/drawing/2010/main" val="0"/>
+                <a14:useLocalDpi xmlns:a14="http://schemas.microsoft.com/office/drawing/2010/main" xmlns="" val="0"/>
               </a:ext>
             </a:extLst>
           </a:blip>
@@ -9930,8 +10038,8 @@
         </p:nvSpPr>
         <p:spPr>
           <a:xfrm>
-            <a:off x="1672283" y="3463834"/>
-            <a:ext cx="9037667" cy="369332"/>
+            <a:off x="2032502" y="4170416"/>
+            <a:ext cx="6377207" cy="369332"/>
           </a:xfrm>
           <a:prstGeom prst="rect">
             <a:avLst/>
@@ -9990,7 +10098,7 @@
     </p:spTree>
     <p:extLst>
       <p:ext uri="{BB962C8B-B14F-4D97-AF65-F5344CB8AC3E}">
-        <p14:creationId xmlns="" xmlns:p14="http://schemas.microsoft.com/office/powerpoint/2010/main" val="3857499873"/>
+        <p14:creationId xmlns:p14="http://schemas.microsoft.com/office/powerpoint/2010/main" xmlns="" val="3857499873"/>
       </p:ext>
     </p:extLst>
   </p:cSld>
@@ -10088,7 +10196,7 @@
     </p:spTree>
     <p:extLst>
       <p:ext uri="{BB962C8B-B14F-4D97-AF65-F5344CB8AC3E}">
-        <p14:creationId xmlns="" xmlns:p14="http://schemas.microsoft.com/office/powerpoint/2010/main" val="1115662396"/>
+        <p14:creationId xmlns:p14="http://schemas.microsoft.com/office/powerpoint/2010/main" xmlns="" val="1115662396"/>
       </p:ext>
     </p:extLst>
   </p:cSld>
@@ -10191,7 +10299,7 @@
           <a:blip r:embed="rId2" cstate="print">
             <a:extLst>
               <a:ext uri="{28A0092B-C50C-407E-A947-70E740481C1C}">
-                <a14:useLocalDpi xmlns="" xmlns:a14="http://schemas.microsoft.com/office/drawing/2010/main" val="0"/>
+                <a14:useLocalDpi xmlns:a14="http://schemas.microsoft.com/office/drawing/2010/main" xmlns="" val="0"/>
               </a:ext>
             </a:extLst>
           </a:blip>
@@ -10534,7 +10642,7 @@
     </p:spTree>
     <p:extLst>
       <p:ext uri="{BB962C8B-B14F-4D97-AF65-F5344CB8AC3E}">
-        <p14:creationId xmlns="" xmlns:p14="http://schemas.microsoft.com/office/powerpoint/2010/main" val="2776618419"/>
+        <p14:creationId xmlns:p14="http://schemas.microsoft.com/office/powerpoint/2010/main" xmlns="" val="2776618419"/>
       </p:ext>
     </p:extLst>
   </p:cSld>
@@ -10658,7 +10766,7 @@
           <a:blip r:embed="rId3" cstate="print">
             <a:extLst>
               <a:ext uri="{28A0092B-C50C-407E-A947-70E740481C1C}">
-                <a14:useLocalDpi xmlns="" xmlns:a14="http://schemas.microsoft.com/office/drawing/2010/main" val="0"/>
+                <a14:useLocalDpi xmlns:a14="http://schemas.microsoft.com/office/drawing/2010/main" xmlns="" val="0"/>
               </a:ext>
             </a:extLst>
           </a:blip>
@@ -10702,7 +10810,7 @@
     </p:spTree>
     <p:extLst>
       <p:ext uri="{BB962C8B-B14F-4D97-AF65-F5344CB8AC3E}">
-        <p14:creationId xmlns="" xmlns:p14="http://schemas.microsoft.com/office/powerpoint/2010/main" val="940987442"/>
+        <p14:creationId xmlns:p14="http://schemas.microsoft.com/office/powerpoint/2010/main" xmlns="" val="940987442"/>
       </p:ext>
     </p:extLst>
   </p:cSld>
@@ -10903,7 +11011,7 @@
           <a:blip r:embed="rId3" cstate="print">
             <a:extLst>
               <a:ext uri="{28A0092B-C50C-407E-A947-70E740481C1C}">
-                <a14:useLocalDpi xmlns:a14="http://schemas.microsoft.com/office/drawing/2010/main" xmlns="" val="0"/>
+                <a14:useLocalDpi xmlns="" xmlns:a14="http://schemas.microsoft.com/office/drawing/2010/main" val="0"/>
               </a:ext>
             </a:extLst>
           </a:blip>
@@ -10924,7 +11032,7 @@
     </p:spTree>
     <p:extLst>
       <p:ext uri="{BB962C8B-B14F-4D97-AF65-F5344CB8AC3E}">
-        <p14:creationId xmlns="" xmlns:p14="http://schemas.microsoft.com/office/powerpoint/2010/main" val="1807322963"/>
+        <p14:creationId xmlns:p14="http://schemas.microsoft.com/office/powerpoint/2010/main" xmlns="" val="1807322963"/>
       </p:ext>
     </p:extLst>
   </p:cSld>
@@ -11046,7 +11154,7 @@
           <a:blip r:embed="rId3" cstate="print">
             <a:extLst>
               <a:ext uri="{28A0092B-C50C-407E-A947-70E740481C1C}">
-                <a14:useLocalDpi xmlns:a14="http://schemas.microsoft.com/office/drawing/2010/main" xmlns="" val="0"/>
+                <a14:useLocalDpi xmlns="" xmlns:a14="http://schemas.microsoft.com/office/drawing/2010/main" val="0"/>
               </a:ext>
             </a:extLst>
           </a:blip>
@@ -11067,7 +11175,7 @@
     </p:spTree>
     <p:extLst>
       <p:ext uri="{BB962C8B-B14F-4D97-AF65-F5344CB8AC3E}">
-        <p14:creationId xmlns="" xmlns:p14="http://schemas.microsoft.com/office/powerpoint/2010/main" val="2390347828"/>
+        <p14:creationId xmlns:p14="http://schemas.microsoft.com/office/powerpoint/2010/main" xmlns="" val="2390347828"/>
       </p:ext>
     </p:extLst>
   </p:cSld>
@@ -11217,7 +11325,7 @@
           <a:blip r:embed="rId4" cstate="print">
             <a:extLst>
               <a:ext uri="{28A0092B-C50C-407E-A947-70E740481C1C}">
-                <a14:useLocalDpi xmlns:a14="http://schemas.microsoft.com/office/drawing/2010/main" xmlns="" val="0"/>
+                <a14:useLocalDpi xmlns="" xmlns:a14="http://schemas.microsoft.com/office/drawing/2010/main" val="0"/>
               </a:ext>
             </a:extLst>
           </a:blip>
@@ -11238,7 +11346,7 @@
     </p:spTree>
     <p:extLst>
       <p:ext uri="{BB962C8B-B14F-4D97-AF65-F5344CB8AC3E}">
-        <p14:creationId xmlns="" xmlns:p14="http://schemas.microsoft.com/office/powerpoint/2010/main" val="722348345"/>
+        <p14:creationId xmlns:p14="http://schemas.microsoft.com/office/powerpoint/2010/main" xmlns="" val="722348345"/>
       </p:ext>
     </p:extLst>
   </p:cSld>
@@ -11379,7 +11487,7 @@
           <a:blip r:embed="rId4" cstate="print">
             <a:extLst>
               <a:ext uri="{28A0092B-C50C-407E-A947-70E740481C1C}">
-                <a14:useLocalDpi xmlns:a14="http://schemas.microsoft.com/office/drawing/2010/main" xmlns="" val="0"/>
+                <a14:useLocalDpi xmlns="" xmlns:a14="http://schemas.microsoft.com/office/drawing/2010/main" val="0"/>
               </a:ext>
             </a:extLst>
           </a:blip>
@@ -11400,7 +11508,7 @@
     </p:spTree>
     <p:extLst>
       <p:ext uri="{BB962C8B-B14F-4D97-AF65-F5344CB8AC3E}">
-        <p14:creationId xmlns="" xmlns:p14="http://schemas.microsoft.com/office/powerpoint/2010/main" val="871300104"/>
+        <p14:creationId xmlns:p14="http://schemas.microsoft.com/office/powerpoint/2010/main" xmlns="" val="871300104"/>
       </p:ext>
     </p:extLst>
   </p:cSld>
@@ -11449,7 +11557,7 @@
           <a:blip r:embed="rId2" cstate="print">
             <a:extLst>
               <a:ext uri="{28A0092B-C50C-407E-A947-70E740481C1C}">
-                <a14:useLocalDpi xmlns="" xmlns:a14="http://schemas.microsoft.com/office/drawing/2010/main" val="0"/>
+                <a14:useLocalDpi xmlns:a14="http://schemas.microsoft.com/office/drawing/2010/main" xmlns="" val="0"/>
               </a:ext>
             </a:extLst>
           </a:blip>
